--- a/TestscriptPart.pptx
+++ b/TestscriptPart.pptx
@@ -5,7 +5,7 @@
     <p:sldMasterId id="2147483648" r:id="rId1"/>
   </p:sldMasterIdLst>
   <p:notesMasterIdLst>
-    <p:notesMasterId r:id="rId11"/>
+    <p:notesMasterId r:id="rId13"/>
   </p:notesMasterIdLst>
   <p:sldIdLst>
     <p:sldId id="256" r:id="rId2"/>
@@ -16,7 +16,9 @@
     <p:sldId id="263" r:id="rId7"/>
     <p:sldId id="265" r:id="rId8"/>
     <p:sldId id="266" r:id="rId9"/>
-    <p:sldId id="259" r:id="rId10"/>
+    <p:sldId id="267" r:id="rId10"/>
+    <p:sldId id="268" r:id="rId11"/>
+    <p:sldId id="259" r:id="rId12"/>
   </p:sldIdLst>
   <p:sldSz cx="12192000" cy="6858000"/>
   <p:notesSz cx="6858000" cy="9144000"/>
@@ -250,8 +252,11 @@
     </a:lvl9pPr>
   </p:defaultTextStyle>
   <p:extLst>
+    <p:ext uri="{EFAFB233-063F-42B5-8137-9DF3F51BA10A}">
+      <p15:sldGuideLst xmlns:p15="http://schemas.microsoft.com/office/powerpoint/2012/main"/>
+    </p:ext>
     <p:ext uri="GoogleSlidesCustomDataVersion2">
-      <go:slidesCustomData xmlns:go="http://customooxmlschemas.google.com/" xmlns:ahyp="http://schemas.microsoft.com/office/drawing/2018/hyperlinkcolor" xmlns:p15="http://schemas.microsoft.com/office/powerpoint/2012/main" xmlns:p14="http://schemas.microsoft.com/office/powerpoint/2010/main" xmlns:com="http://schemas.openxmlformats.org/drawingml/2006/compatibility" xmlns:pvml="urn:schemas-microsoft-com:office:powerpoint" xmlns:v="urn:schemas-microsoft-com:vml" xmlns:o="urn:schemas-microsoft-com:office:office" xmlns:dgm="http://schemas.openxmlformats.org/drawingml/2006/diagram" xmlns:c="http://schemas.openxmlformats.org/drawingml/2006/chart" xmlns:mv="urn:schemas-microsoft-com:mac:vml" xmlns:mc="http://schemas.openxmlformats.org/markup-compatibility/2006" xmlns="" r:id="rId12" roundtripDataSignature="AMtx7mj5GdbxsaFl02bTEFBl/9s84/Z/Bw=="/>
+      <go:slidesCustomData xmlns="" xmlns:mc="http://schemas.openxmlformats.org/markup-compatibility/2006" xmlns:mv="urn:schemas-microsoft-com:mac:vml" xmlns:c="http://schemas.openxmlformats.org/drawingml/2006/chart" xmlns:dgm="http://schemas.openxmlformats.org/drawingml/2006/diagram" xmlns:o="urn:schemas-microsoft-com:office:office" xmlns:v="urn:schemas-microsoft-com:vml" xmlns:pvml="urn:schemas-microsoft-com:office:powerpoint" xmlns:com="http://schemas.openxmlformats.org/drawingml/2006/compatibility" xmlns:p14="http://schemas.microsoft.com/office/powerpoint/2010/main" xmlns:p15="http://schemas.microsoft.com/office/powerpoint/2012/main" xmlns:ahyp="http://schemas.microsoft.com/office/drawing/2018/hyperlinkcolor" xmlns:go="http://customooxmlschemas.google.com/" r:id="rId14" roundtripDataSignature="AMtx7mj5GdbxsaFl02bTEFBl/9s84/Z/Bw=="/>
     </p:ext>
   </p:extLst>
 </p:presentation>
@@ -802,6 +807,219 @@
 </p:notes>
 </file>
 
+<file path=ppt/notesSlides/notesSlide10.xml><?xml version="1.0" encoding="utf-8"?>
+<p:notes xmlns:a="http://schemas.openxmlformats.org/drawingml/2006/main" xmlns:r="http://schemas.openxmlformats.org/officeDocument/2006/relationships" xmlns:p="http://schemas.openxmlformats.org/presentationml/2006/main" showMasterSp="0" showMasterPhAnim="0">
+  <p:cSld>
+    <p:spTree>
+      <p:nvGrpSpPr>
+        <p:cNvPr id="1" name="Shape 55"/>
+        <p:cNvGrpSpPr/>
+        <p:nvPr/>
+      </p:nvGrpSpPr>
+      <p:grpSpPr>
+        <a:xfrm>
+          <a:off x="0" y="0"/>
+          <a:ext cx="0" cy="0"/>
+          <a:chOff x="0" y="0"/>
+          <a:chExt cx="0" cy="0"/>
+        </a:xfrm>
+      </p:grpSpPr>
+      <p:sp>
+        <p:nvSpPr>
+          <p:cNvPr id="56" name="Google Shape;56;p3:notes"/>
+          <p:cNvSpPr txBox="1">
+            <a:spLocks noGrp="1"/>
+          </p:cNvSpPr>
+          <p:nvPr>
+            <p:ph type="body" idx="1"/>
+          </p:nvPr>
+        </p:nvSpPr>
+        <p:spPr>
+          <a:xfrm>
+            <a:off x="685800" y="4343400"/>
+            <a:ext cx="5486400" cy="4114800"/>
+          </a:xfrm>
+          <a:prstGeom prst="rect">
+            <a:avLst/>
+          </a:prstGeom>
+        </p:spPr>
+        <p:txBody>
+          <a:bodyPr spcFirstLastPara="1" wrap="square" lIns="91425" tIns="91425" rIns="91425" bIns="91425" anchor="t" anchorCtr="0">
+            <a:noAutofit/>
+          </a:bodyPr>
+          <a:lstStyle/>
+          <a:p>
+            <a:pPr marL="0" lvl="0" indent="0" algn="l" rtl="0">
+              <a:spcBef>
+                <a:spcPts val="0"/>
+              </a:spcBef>
+              <a:spcAft>
+                <a:spcPts val="0"/>
+              </a:spcAft>
+              <a:buNone/>
+            </a:pPr>
+            <a:endParaRPr dirty="0"/>
+          </a:p>
+        </p:txBody>
+      </p:sp>
+      <p:sp>
+        <p:nvSpPr>
+          <p:cNvPr id="57" name="Google Shape;57;p3:notes"/>
+          <p:cNvSpPr>
+            <a:spLocks noGrp="1" noRot="1" noChangeAspect="1"/>
+          </p:cNvSpPr>
+          <p:nvPr>
+            <p:ph type="sldImg" idx="2"/>
+          </p:nvPr>
+        </p:nvSpPr>
+        <p:spPr>
+          <a:xfrm>
+            <a:off x="381000" y="685800"/>
+            <a:ext cx="6096000" cy="3429000"/>
+          </a:xfrm>
+          <a:custGeom>
+            <a:avLst/>
+            <a:gdLst/>
+            <a:ahLst/>
+            <a:cxnLst/>
+            <a:rect l="l" t="t" r="r" b="b"/>
+            <a:pathLst>
+              <a:path w="120000" h="120000" extrusionOk="0">
+                <a:moveTo>
+                  <a:pt x="0" y="0"/>
+                </a:moveTo>
+                <a:lnTo>
+                  <a:pt x="120000" y="0"/>
+                </a:lnTo>
+                <a:lnTo>
+                  <a:pt x="120000" y="120000"/>
+                </a:lnTo>
+                <a:lnTo>
+                  <a:pt x="0" y="120000"/>
+                </a:lnTo>
+                <a:close/>
+              </a:path>
+            </a:pathLst>
+          </a:custGeom>
+        </p:spPr>
+      </p:sp>
+    </p:spTree>
+    <p:extLst>
+      <p:ext uri="{BB962C8B-B14F-4D97-AF65-F5344CB8AC3E}">
+        <p14:creationId xmlns:p14="http://schemas.microsoft.com/office/powerpoint/2010/main" val="1707306057"/>
+      </p:ext>
+    </p:extLst>
+  </p:cSld>
+  <p:clrMapOvr>
+    <a:masterClrMapping/>
+  </p:clrMapOvr>
+</p:notes>
+</file>
+
+<file path=ppt/notesSlides/notesSlide11.xml><?xml version="1.0" encoding="utf-8"?>
+<p:notes xmlns:a="http://schemas.openxmlformats.org/drawingml/2006/main" xmlns:r="http://schemas.openxmlformats.org/officeDocument/2006/relationships" xmlns:p="http://schemas.openxmlformats.org/presentationml/2006/main" showMasterSp="0" showMasterPhAnim="0">
+  <p:cSld>
+    <p:spTree>
+      <p:nvGrpSpPr>
+        <p:cNvPr id="1" name="Shape 61"/>
+        <p:cNvGrpSpPr/>
+        <p:nvPr/>
+      </p:nvGrpSpPr>
+      <p:grpSpPr>
+        <a:xfrm>
+          <a:off x="0" y="0"/>
+          <a:ext cx="0" cy="0"/>
+          <a:chOff x="0" y="0"/>
+          <a:chExt cx="0" cy="0"/>
+        </a:xfrm>
+      </p:grpSpPr>
+      <p:sp>
+        <p:nvSpPr>
+          <p:cNvPr id="62" name="Google Shape;62;p4:notes"/>
+          <p:cNvSpPr txBox="1">
+            <a:spLocks noGrp="1"/>
+          </p:cNvSpPr>
+          <p:nvPr>
+            <p:ph type="body" idx="1"/>
+          </p:nvPr>
+        </p:nvSpPr>
+        <p:spPr>
+          <a:xfrm>
+            <a:off x="685800" y="4343400"/>
+            <a:ext cx="5486400" cy="4114800"/>
+          </a:xfrm>
+          <a:prstGeom prst="rect">
+            <a:avLst/>
+          </a:prstGeom>
+        </p:spPr>
+        <p:txBody>
+          <a:bodyPr spcFirstLastPara="1" wrap="square" lIns="91425" tIns="91425" rIns="91425" bIns="91425" anchor="t" anchorCtr="0">
+            <a:noAutofit/>
+          </a:bodyPr>
+          <a:lstStyle/>
+          <a:p>
+            <a:pPr marL="0" lvl="0" indent="0" algn="l" rtl="0">
+              <a:spcBef>
+                <a:spcPts val="0"/>
+              </a:spcBef>
+              <a:spcAft>
+                <a:spcPts val="0"/>
+              </a:spcAft>
+              <a:buNone/>
+            </a:pPr>
+            <a:endParaRPr/>
+          </a:p>
+        </p:txBody>
+      </p:sp>
+      <p:sp>
+        <p:nvSpPr>
+          <p:cNvPr id="63" name="Google Shape;63;p4:notes"/>
+          <p:cNvSpPr>
+            <a:spLocks noGrp="1" noRot="1" noChangeAspect="1"/>
+          </p:cNvSpPr>
+          <p:nvPr>
+            <p:ph type="sldImg" idx="2"/>
+          </p:nvPr>
+        </p:nvSpPr>
+        <p:spPr>
+          <a:xfrm>
+            <a:off x="1143225" y="685800"/>
+            <a:ext cx="4572225" cy="3429000"/>
+          </a:xfrm>
+          <a:custGeom>
+            <a:avLst/>
+            <a:gdLst/>
+            <a:ahLst/>
+            <a:cxnLst/>
+            <a:rect l="l" t="t" r="r" b="b"/>
+            <a:pathLst>
+              <a:path w="120000" h="120000" extrusionOk="0">
+                <a:moveTo>
+                  <a:pt x="0" y="0"/>
+                </a:moveTo>
+                <a:lnTo>
+                  <a:pt x="120000" y="0"/>
+                </a:lnTo>
+                <a:lnTo>
+                  <a:pt x="120000" y="120000"/>
+                </a:lnTo>
+                <a:lnTo>
+                  <a:pt x="0" y="120000"/>
+                </a:lnTo>
+                <a:close/>
+              </a:path>
+            </a:pathLst>
+          </a:custGeom>
+        </p:spPr>
+      </p:sp>
+    </p:spTree>
+  </p:cSld>
+  <p:clrMapOvr>
+    <a:masterClrMapping/>
+  </p:clrMapOvr>
+</p:notes>
+</file>
+
 <file path=ppt/notesSlides/notesSlide2.xml><?xml version="1.0" encoding="utf-8"?>
 <p:notes xmlns:a="http://schemas.openxmlformats.org/drawingml/2006/main" xmlns:r="http://schemas.openxmlformats.org/officeDocument/2006/relationships" xmlns:p="http://schemas.openxmlformats.org/presentationml/2006/main" showMasterSp="0" showMasterPhAnim="0">
   <p:cSld>
@@ -1560,7 +1778,7 @@
   <p:cSld>
     <p:spTree>
       <p:nvGrpSpPr>
-        <p:cNvPr id="1" name="Shape 61"/>
+        <p:cNvPr id="1" name="Shape 55"/>
         <p:cNvGrpSpPr/>
         <p:nvPr/>
       </p:nvGrpSpPr>
@@ -1574,7 +1792,7 @@
       </p:grpSpPr>
       <p:sp>
         <p:nvSpPr>
-          <p:cNvPr id="62" name="Google Shape;62;p4:notes"/>
+          <p:cNvPr id="56" name="Google Shape;56;p3:notes"/>
           <p:cNvSpPr txBox="1">
             <a:spLocks noGrp="1"/>
           </p:cNvSpPr>
@@ -1606,13 +1824,13 @@
               </a:spcAft>
               <a:buNone/>
             </a:pPr>
-            <a:endParaRPr/>
+            <a:endParaRPr dirty="0"/>
           </a:p>
         </p:txBody>
       </p:sp>
       <p:sp>
         <p:nvSpPr>
-          <p:cNvPr id="63" name="Google Shape;63;p4:notes"/>
+          <p:cNvPr id="57" name="Google Shape;57;p3:notes"/>
           <p:cNvSpPr>
             <a:spLocks noGrp="1" noRot="1" noChangeAspect="1"/>
           </p:cNvSpPr>
@@ -1622,8 +1840,8 @@
         </p:nvSpPr>
         <p:spPr>
           <a:xfrm>
-            <a:off x="1143225" y="685800"/>
-            <a:ext cx="4572225" cy="3429000"/>
+            <a:off x="381000" y="685800"/>
+            <a:ext cx="6096000" cy="3429000"/>
           </a:xfrm>
           <a:custGeom>
             <a:avLst/>
@@ -1652,6 +1870,11 @@
         </p:spPr>
       </p:sp>
     </p:spTree>
+    <p:extLst>
+      <p:ext uri="{BB962C8B-B14F-4D97-AF65-F5344CB8AC3E}">
+        <p14:creationId xmlns:p14="http://schemas.microsoft.com/office/powerpoint/2010/main" val="4112810499"/>
+      </p:ext>
+    </p:extLst>
   </p:cSld>
   <p:clrMapOvr>
     <a:masterClrMapping/>
@@ -5770,6 +5993,295 @@
 </p:sld>
 </file>
 
+<file path=ppt/slides/slide10.xml><?xml version="1.0" encoding="utf-8"?>
+<p:sld xmlns:a="http://schemas.openxmlformats.org/drawingml/2006/main" xmlns:r="http://schemas.openxmlformats.org/officeDocument/2006/relationships" xmlns:p="http://schemas.openxmlformats.org/presentationml/2006/main">
+  <p:cSld>
+    <p:spTree>
+      <p:nvGrpSpPr>
+        <p:cNvPr id="1" name="Shape 58"/>
+        <p:cNvGrpSpPr/>
+        <p:nvPr/>
+      </p:nvGrpSpPr>
+      <p:grpSpPr>
+        <a:xfrm>
+          <a:off x="0" y="0"/>
+          <a:ext cx="0" cy="0"/>
+          <a:chOff x="0" y="0"/>
+          <a:chExt cx="0" cy="0"/>
+        </a:xfrm>
+      </p:grpSpPr>
+      <p:sp>
+        <p:nvSpPr>
+          <p:cNvPr id="59" name="Google Shape;59;p3"/>
+          <p:cNvSpPr txBox="1">
+            <a:spLocks noGrp="1"/>
+          </p:cNvSpPr>
+          <p:nvPr>
+            <p:ph type="title"/>
+          </p:nvPr>
+        </p:nvSpPr>
+        <p:spPr>
+          <a:xfrm>
+            <a:off x="605980" y="310143"/>
+            <a:ext cx="10515600" cy="649800"/>
+          </a:xfrm>
+          <a:prstGeom prst="rect">
+            <a:avLst/>
+          </a:prstGeom>
+          <a:noFill/>
+          <a:ln>
+            <a:noFill/>
+          </a:ln>
+        </p:spPr>
+        <p:txBody>
+          <a:bodyPr spcFirstLastPara="1" wrap="square" lIns="91425" tIns="45700" rIns="91425" bIns="45700" anchor="ctr" anchorCtr="0">
+            <a:normAutofit fontScale="90000"/>
+          </a:bodyPr>
+          <a:lstStyle/>
+          <a:p>
+            <a:pPr marL="0" lvl="0" indent="0" algn="l" rtl="0">
+              <a:lnSpc>
+                <a:spcPct val="90000"/>
+              </a:lnSpc>
+              <a:spcBef>
+                <a:spcPts val="0"/>
+              </a:spcBef>
+              <a:spcAft>
+                <a:spcPts val="0"/>
+              </a:spcAft>
+              <a:buClr>
+                <a:schemeClr val="dk1"/>
+              </a:buClr>
+              <a:buSzPts val="4400"/>
+              <a:buFont typeface="Malgun Gothic"/>
+              <a:buNone/>
+            </a:pPr>
+            <a:r>
+              <a:rPr lang="ko-KR" altLang="en-US" dirty="0"/>
+              <a:t>리팩토링을 통한 클린코드 전 후 비교 </a:t>
+            </a:r>
+            <a:r>
+              <a:rPr lang="en-US" altLang="ko-KR" dirty="0"/>
+              <a:t>(To-Be)</a:t>
+            </a:r>
+            <a:endParaRPr dirty="0"/>
+          </a:p>
+        </p:txBody>
+      </p:sp>
+      <p:pic>
+        <p:nvPicPr>
+          <p:cNvPr id="6" name="그림 5">
+            <a:extLst>
+              <a:ext uri="{FF2B5EF4-FFF2-40B4-BE49-F238E27FC236}">
+                <a16:creationId xmlns:a16="http://schemas.microsoft.com/office/drawing/2014/main" id="{B782454D-CAAE-4EE2-8C42-79211BC3FCFA}"/>
+              </a:ext>
+            </a:extLst>
+          </p:cNvPr>
+          <p:cNvPicPr>
+            <a:picLocks noChangeAspect="1"/>
+          </p:cNvPicPr>
+          <p:nvPr/>
+        </p:nvPicPr>
+        <p:blipFill>
+          <a:blip r:embed="rId3"/>
+          <a:stretch>
+            <a:fillRect/>
+          </a:stretch>
+        </p:blipFill>
+        <p:spPr>
+          <a:xfrm>
+            <a:off x="626710" y="1872105"/>
+            <a:ext cx="7602890" cy="1556895"/>
+          </a:xfrm>
+          <a:prstGeom prst="rect">
+            <a:avLst/>
+          </a:prstGeom>
+        </p:spPr>
+      </p:pic>
+      <p:sp>
+        <p:nvSpPr>
+          <p:cNvPr id="16" name="직사각형 15">
+            <a:extLst>
+              <a:ext uri="{FF2B5EF4-FFF2-40B4-BE49-F238E27FC236}">
+                <a16:creationId xmlns:a16="http://schemas.microsoft.com/office/drawing/2014/main" id="{BE2900B3-1398-405E-BCDF-FCAC0E8F0DEF}"/>
+              </a:ext>
+            </a:extLst>
+          </p:cNvPr>
+          <p:cNvSpPr/>
+          <p:nvPr/>
+        </p:nvSpPr>
+        <p:spPr>
+          <a:xfrm>
+            <a:off x="8634954" y="2112846"/>
+            <a:ext cx="2234152" cy="1075412"/>
+          </a:xfrm>
+          <a:prstGeom prst="rect">
+            <a:avLst/>
+          </a:prstGeom>
+        </p:spPr>
+        <p:style>
+          <a:lnRef idx="2">
+            <a:schemeClr val="accent1">
+              <a:shade val="50000"/>
+            </a:schemeClr>
+          </a:lnRef>
+          <a:fillRef idx="1">
+            <a:schemeClr val="accent1"/>
+          </a:fillRef>
+          <a:effectRef idx="0">
+            <a:schemeClr val="accent1"/>
+          </a:effectRef>
+          <a:fontRef idx="minor">
+            <a:schemeClr val="lt1"/>
+          </a:fontRef>
+        </p:style>
+        <p:txBody>
+          <a:bodyPr rtlCol="0" anchor="ctr"/>
+          <a:lstStyle/>
+          <a:p>
+            <a:pPr algn="ctr"/>
+            <a:r>
+              <a:rPr lang="ko-KR" altLang="en-US" dirty="0"/>
+              <a:t>객체를 생성하여 </a:t>
+            </a:r>
+            <a:r>
+              <a:rPr lang="en-US" altLang="ko-KR" dirty="0"/>
+              <a:t>Return</a:t>
+            </a:r>
+            <a:endParaRPr lang="ko-KR" altLang="en-US" dirty="0"/>
+          </a:p>
+        </p:txBody>
+      </p:sp>
+      <p:pic>
+        <p:nvPicPr>
+          <p:cNvPr id="13" name="그림 12">
+            <a:extLst>
+              <a:ext uri="{FF2B5EF4-FFF2-40B4-BE49-F238E27FC236}">
+                <a16:creationId xmlns:a16="http://schemas.microsoft.com/office/drawing/2014/main" id="{FE523DF2-2C45-4ABC-84B2-E5505DEEF46C}"/>
+              </a:ext>
+            </a:extLst>
+          </p:cNvPr>
+          <p:cNvPicPr>
+            <a:picLocks noChangeAspect="1"/>
+          </p:cNvPicPr>
+          <p:nvPr/>
+        </p:nvPicPr>
+        <p:blipFill>
+          <a:blip r:embed="rId4"/>
+          <a:stretch>
+            <a:fillRect/>
+          </a:stretch>
+        </p:blipFill>
+        <p:spPr>
+          <a:xfrm>
+            <a:off x="605980" y="4110417"/>
+            <a:ext cx="7623620" cy="1790762"/>
+          </a:xfrm>
+          <a:prstGeom prst="rect">
+            <a:avLst/>
+          </a:prstGeom>
+        </p:spPr>
+      </p:pic>
+      <p:sp>
+        <p:nvSpPr>
+          <p:cNvPr id="18" name="직사각형 17">
+            <a:extLst>
+              <a:ext uri="{FF2B5EF4-FFF2-40B4-BE49-F238E27FC236}">
+                <a16:creationId xmlns:a16="http://schemas.microsoft.com/office/drawing/2014/main" id="{3C030952-20BA-40A1-875B-7D9E1498A3A3}"/>
+              </a:ext>
+            </a:extLst>
+          </p:cNvPr>
+          <p:cNvSpPr/>
+          <p:nvPr/>
+        </p:nvSpPr>
+        <p:spPr>
+          <a:xfrm>
+            <a:off x="8634954" y="4398060"/>
+            <a:ext cx="2234152" cy="1075412"/>
+          </a:xfrm>
+          <a:prstGeom prst="rect">
+            <a:avLst/>
+          </a:prstGeom>
+        </p:spPr>
+        <p:style>
+          <a:lnRef idx="2">
+            <a:schemeClr val="accent1">
+              <a:shade val="50000"/>
+            </a:schemeClr>
+          </a:lnRef>
+          <a:fillRef idx="1">
+            <a:schemeClr val="accent1"/>
+          </a:fillRef>
+          <a:effectRef idx="0">
+            <a:schemeClr val="accent1"/>
+          </a:effectRef>
+          <a:fontRef idx="minor">
+            <a:schemeClr val="lt1"/>
+          </a:fontRef>
+        </p:style>
+        <p:txBody>
+          <a:bodyPr rtlCol="0" anchor="ctr"/>
+          <a:lstStyle/>
+          <a:p>
+            <a:pPr algn="ctr"/>
+            <a:r>
+              <a:rPr lang="ko-KR" altLang="en-US" dirty="0"/>
+              <a:t>생성한 객체의 </a:t>
+            </a:r>
+            <a:r>
+              <a:rPr lang="en-US" altLang="ko-KR" dirty="0"/>
+              <a:t>instance</a:t>
+            </a:r>
+            <a:r>
+              <a:rPr lang="ko-KR" altLang="en-US" dirty="0"/>
+              <a:t>를 가져와서 사용하는 방식으로 변경함</a:t>
+            </a:r>
+            <a:r>
+              <a:rPr lang="en-US" altLang="ko-KR" dirty="0"/>
+              <a:t>.</a:t>
+            </a:r>
+            <a:endParaRPr lang="ko-KR" altLang="en-US" dirty="0"/>
+          </a:p>
+        </p:txBody>
+      </p:sp>
+    </p:spTree>
+    <p:extLst>
+      <p:ext uri="{BB962C8B-B14F-4D97-AF65-F5344CB8AC3E}">
+        <p14:creationId xmlns:p14="http://schemas.microsoft.com/office/powerpoint/2010/main" val="2900123410"/>
+      </p:ext>
+    </p:extLst>
+  </p:cSld>
+  <p:clrMapOvr>
+    <a:masterClrMapping/>
+  </p:clrMapOvr>
+</p:sld>
+</file>
+
+<file path=ppt/slides/slide11.xml><?xml version="1.0" encoding="utf-8"?>
+<p:sld xmlns:a="http://schemas.openxmlformats.org/drawingml/2006/main" xmlns:r="http://schemas.openxmlformats.org/officeDocument/2006/relationships" xmlns:p="http://schemas.openxmlformats.org/presentationml/2006/main">
+  <p:cSld>
+    <p:spTree>
+      <p:nvGrpSpPr>
+        <p:cNvPr id="1" name="Shape 64"/>
+        <p:cNvGrpSpPr/>
+        <p:nvPr/>
+      </p:nvGrpSpPr>
+      <p:grpSpPr>
+        <a:xfrm>
+          <a:off x="0" y="0"/>
+          <a:ext cx="0" cy="0"/>
+          <a:chOff x="0" y="0"/>
+          <a:chExt cx="0" cy="0"/>
+        </a:xfrm>
+      </p:grpSpPr>
+    </p:spTree>
+  </p:cSld>
+  <p:clrMapOvr>
+    <a:masterClrMapping/>
+  </p:clrMapOvr>
+</p:sld>
+</file>
+
 <file path=ppt/slides/slide2.xml><?xml version="1.0" encoding="utf-8"?>
 <p:sld xmlns:a="http://schemas.openxmlformats.org/drawingml/2006/main" xmlns:r="http://schemas.openxmlformats.org/officeDocument/2006/relationships" xmlns:p="http://schemas.openxmlformats.org/presentationml/2006/main">
   <p:cSld>
@@ -8800,7 +9312,7 @@
   <p:cSld>
     <p:spTree>
       <p:nvGrpSpPr>
-        <p:cNvPr id="1" name="Shape 64"/>
+        <p:cNvPr id="1" name="Shape 58"/>
         <p:cNvGrpSpPr/>
         <p:nvPr/>
       </p:nvGrpSpPr>
@@ -8812,7 +9324,241 @@
           <a:chExt cx="0" cy="0"/>
         </a:xfrm>
       </p:grpSpPr>
+      <p:sp>
+        <p:nvSpPr>
+          <p:cNvPr id="59" name="Google Shape;59;p3"/>
+          <p:cNvSpPr txBox="1">
+            <a:spLocks noGrp="1"/>
+          </p:cNvSpPr>
+          <p:nvPr>
+            <p:ph type="title"/>
+          </p:nvPr>
+        </p:nvSpPr>
+        <p:spPr>
+          <a:xfrm>
+            <a:off x="605980" y="310143"/>
+            <a:ext cx="10515600" cy="649800"/>
+          </a:xfrm>
+          <a:prstGeom prst="rect">
+            <a:avLst/>
+          </a:prstGeom>
+          <a:noFill/>
+          <a:ln>
+            <a:noFill/>
+          </a:ln>
+        </p:spPr>
+        <p:txBody>
+          <a:bodyPr spcFirstLastPara="1" wrap="square" lIns="91425" tIns="45700" rIns="91425" bIns="45700" anchor="ctr" anchorCtr="0">
+            <a:normAutofit fontScale="90000"/>
+          </a:bodyPr>
+          <a:lstStyle/>
+          <a:p>
+            <a:pPr marL="0" lvl="0" indent="0" algn="l" rtl="0">
+              <a:lnSpc>
+                <a:spcPct val="90000"/>
+              </a:lnSpc>
+              <a:spcBef>
+                <a:spcPts val="0"/>
+              </a:spcBef>
+              <a:spcAft>
+                <a:spcPts val="0"/>
+              </a:spcAft>
+              <a:buClr>
+                <a:schemeClr val="dk1"/>
+              </a:buClr>
+              <a:buSzPts val="4400"/>
+              <a:buFont typeface="Malgun Gothic"/>
+              <a:buNone/>
+            </a:pPr>
+            <a:r>
+              <a:rPr lang="ko-KR" altLang="en-US" dirty="0"/>
+              <a:t>리팩토링을 통한 클린코드 전 후 비교 </a:t>
+            </a:r>
+            <a:r>
+              <a:rPr lang="en-US" altLang="ko-KR" dirty="0"/>
+              <a:t>(As-Is)</a:t>
+            </a:r>
+            <a:endParaRPr dirty="0"/>
+          </a:p>
+        </p:txBody>
+      </p:sp>
+      <p:pic>
+        <p:nvPicPr>
+          <p:cNvPr id="6" name="그림 5">
+            <a:extLst>
+              <a:ext uri="{FF2B5EF4-FFF2-40B4-BE49-F238E27FC236}">
+                <a16:creationId xmlns:a16="http://schemas.microsoft.com/office/drawing/2014/main" id="{D84A6BC8-2A6C-4A30-82EB-3F9B05C4BECF}"/>
+              </a:ext>
+            </a:extLst>
+          </p:cNvPr>
+          <p:cNvPicPr>
+            <a:picLocks noChangeAspect="1"/>
+          </p:cNvPicPr>
+          <p:nvPr/>
+        </p:nvPicPr>
+        <p:blipFill>
+          <a:blip r:embed="rId3"/>
+          <a:stretch>
+            <a:fillRect/>
+          </a:stretch>
+        </p:blipFill>
+        <p:spPr>
+          <a:xfrm>
+            <a:off x="728171" y="1775872"/>
+            <a:ext cx="6982955" cy="1214830"/>
+          </a:xfrm>
+          <a:prstGeom prst="rect">
+            <a:avLst/>
+          </a:prstGeom>
+        </p:spPr>
+      </p:pic>
+      <p:pic>
+        <p:nvPicPr>
+          <p:cNvPr id="13" name="그림 12">
+            <a:extLst>
+              <a:ext uri="{FF2B5EF4-FFF2-40B4-BE49-F238E27FC236}">
+                <a16:creationId xmlns:a16="http://schemas.microsoft.com/office/drawing/2014/main" id="{F5E048BD-206F-4BF1-B4D0-032F4F2DE2D7}"/>
+              </a:ext>
+            </a:extLst>
+          </p:cNvPr>
+          <p:cNvPicPr>
+            <a:picLocks noChangeAspect="1"/>
+          </p:cNvPicPr>
+          <p:nvPr/>
+        </p:nvPicPr>
+        <p:blipFill>
+          <a:blip r:embed="rId4"/>
+          <a:stretch>
+            <a:fillRect/>
+          </a:stretch>
+        </p:blipFill>
+        <p:spPr>
+          <a:xfrm>
+            <a:off x="728171" y="3867298"/>
+            <a:ext cx="6696075" cy="2038350"/>
+          </a:xfrm>
+          <a:prstGeom prst="rect">
+            <a:avLst/>
+          </a:prstGeom>
+        </p:spPr>
+      </p:pic>
+      <p:sp>
+        <p:nvSpPr>
+          <p:cNvPr id="17" name="직사각형 16">
+            <a:extLst>
+              <a:ext uri="{FF2B5EF4-FFF2-40B4-BE49-F238E27FC236}">
+                <a16:creationId xmlns:a16="http://schemas.microsoft.com/office/drawing/2014/main" id="{D055E619-4281-4456-A143-BB21742AADD9}"/>
+              </a:ext>
+            </a:extLst>
+          </p:cNvPr>
+          <p:cNvSpPr/>
+          <p:nvPr/>
+        </p:nvSpPr>
+        <p:spPr>
+          <a:xfrm>
+            <a:off x="8069345" y="1845581"/>
+            <a:ext cx="2234152" cy="1075412"/>
+          </a:xfrm>
+          <a:prstGeom prst="rect">
+            <a:avLst/>
+          </a:prstGeom>
+        </p:spPr>
+        <p:style>
+          <a:lnRef idx="2">
+            <a:schemeClr val="accent1">
+              <a:shade val="50000"/>
+            </a:schemeClr>
+          </a:lnRef>
+          <a:fillRef idx="1">
+            <a:schemeClr val="accent1"/>
+          </a:fillRef>
+          <a:effectRef idx="0">
+            <a:schemeClr val="accent1"/>
+          </a:effectRef>
+          <a:fontRef idx="minor">
+            <a:schemeClr val="lt1"/>
+          </a:fontRef>
+        </p:style>
+        <p:txBody>
+          <a:bodyPr rtlCol="0" anchor="ctr"/>
+          <a:lstStyle/>
+          <a:p>
+            <a:pPr algn="ctr"/>
+            <a:r>
+              <a:rPr lang="en-US" altLang="ko-KR" dirty="0" err="1"/>
+              <a:t>TestScript</a:t>
+            </a:r>
+            <a:r>
+              <a:rPr lang="ko-KR" altLang="en-US" dirty="0"/>
+              <a:t>를 수행하는 객체를 배열에 담아 사용하고 있었음</a:t>
+            </a:r>
+            <a:r>
+              <a:rPr lang="en-US" altLang="ko-KR" dirty="0"/>
+              <a:t>.</a:t>
+            </a:r>
+            <a:endParaRPr lang="ko-KR" altLang="en-US" dirty="0"/>
+          </a:p>
+        </p:txBody>
+      </p:sp>
+      <p:sp>
+        <p:nvSpPr>
+          <p:cNvPr id="18" name="직사각형 17">
+            <a:extLst>
+              <a:ext uri="{FF2B5EF4-FFF2-40B4-BE49-F238E27FC236}">
+                <a16:creationId xmlns:a16="http://schemas.microsoft.com/office/drawing/2014/main" id="{0C2BEFD8-30A2-40F1-B445-C94F62A1A532}"/>
+              </a:ext>
+            </a:extLst>
+          </p:cNvPr>
+          <p:cNvSpPr/>
+          <p:nvPr/>
+        </p:nvSpPr>
+        <p:spPr>
+          <a:xfrm>
+            <a:off x="8069345" y="4325535"/>
+            <a:ext cx="2234152" cy="915767"/>
+          </a:xfrm>
+          <a:prstGeom prst="rect">
+            <a:avLst/>
+          </a:prstGeom>
+        </p:spPr>
+        <p:style>
+          <a:lnRef idx="2">
+            <a:schemeClr val="accent1">
+              <a:shade val="50000"/>
+            </a:schemeClr>
+          </a:lnRef>
+          <a:fillRef idx="1">
+            <a:schemeClr val="accent1"/>
+          </a:fillRef>
+          <a:effectRef idx="0">
+            <a:schemeClr val="accent1"/>
+          </a:effectRef>
+          <a:fontRef idx="minor">
+            <a:schemeClr val="lt1"/>
+          </a:fontRef>
+        </p:style>
+        <p:txBody>
+          <a:bodyPr rtlCol="0" anchor="ctr"/>
+          <a:lstStyle/>
+          <a:p>
+            <a:pPr algn="ctr"/>
+            <a:r>
+              <a:rPr lang="en-US" altLang="ko-KR" dirty="0"/>
+              <a:t>Table</a:t>
+            </a:r>
+            <a:r>
+              <a:rPr lang="ko-KR" altLang="en-US" dirty="0"/>
+              <a:t>을 굳이 유지할 필요 없다는 의견</a:t>
+            </a:r>
+          </a:p>
+        </p:txBody>
+      </p:sp>
     </p:spTree>
+    <p:extLst>
+      <p:ext uri="{BB962C8B-B14F-4D97-AF65-F5344CB8AC3E}">
+        <p14:creationId xmlns:p14="http://schemas.microsoft.com/office/powerpoint/2010/main" val="2475307811"/>
+      </p:ext>
+    </p:extLst>
   </p:cSld>
   <p:clrMapOvr>
     <a:masterClrMapping/>
